--- a/microsoft-365/media/empower-people-to-work-remotely/Empower-Remote-Workers-Poster.pptx
+++ b/microsoft-365/media/empower-people-to-work-remotely/Empower-Remote-Workers-Poster.pptx
@@ -214,7 +214,7 @@
           <a:p>
             <a:fld id="{F6718B09-A5BF-4500-B7D0-AD2FFA08E103}" type="datetimeFigureOut">
               <a:rPr lang="en-US" smtClean="0"/>
-              <a:t>12/17/2019</a:t>
+              <a:t>4/21/2020</a:t>
             </a:fld>
             <a:endParaRPr lang="en-US" dirty="0"/>
           </a:p>
@@ -702,7 +702,7 @@
           <a:p>
             <a:fld id="{B12B58C5-0F7F-4864-91DB-0DCB63F031BB}" type="datetimeFigureOut">
               <a:rPr lang="en-US" smtClean="0"/>
-              <a:t>12/17/2019</a:t>
+              <a:t>4/21/2020</a:t>
             </a:fld>
             <a:endParaRPr lang="en-US" dirty="0"/>
           </a:p>
@@ -870,7 +870,7 @@
           <a:p>
             <a:fld id="{B12B58C5-0F7F-4864-91DB-0DCB63F031BB}" type="datetimeFigureOut">
               <a:rPr lang="en-US" smtClean="0"/>
-              <a:t>12/17/2019</a:t>
+              <a:t>4/21/2020</a:t>
             </a:fld>
             <a:endParaRPr lang="en-US" dirty="0"/>
           </a:p>
@@ -1048,7 +1048,7 @@
           <a:p>
             <a:fld id="{B12B58C5-0F7F-4864-91DB-0DCB63F031BB}" type="datetimeFigureOut">
               <a:rPr lang="en-US" smtClean="0"/>
-              <a:t>12/17/2019</a:t>
+              <a:t>4/21/2020</a:t>
             </a:fld>
             <a:endParaRPr lang="en-US" dirty="0"/>
           </a:p>
@@ -1216,7 +1216,7 @@
           <a:p>
             <a:fld id="{B12B58C5-0F7F-4864-91DB-0DCB63F031BB}" type="datetimeFigureOut">
               <a:rPr lang="en-US" smtClean="0"/>
-              <a:t>12/17/2019</a:t>
+              <a:t>4/21/2020</a:t>
             </a:fld>
             <a:endParaRPr lang="en-US" dirty="0"/>
           </a:p>
@@ -1459,7 +1459,7 @@
           <a:p>
             <a:fld id="{B12B58C5-0F7F-4864-91DB-0DCB63F031BB}" type="datetimeFigureOut">
               <a:rPr lang="en-US" smtClean="0"/>
-              <a:t>12/17/2019</a:t>
+              <a:t>4/21/2020</a:t>
             </a:fld>
             <a:endParaRPr lang="en-US" dirty="0"/>
           </a:p>
@@ -1688,7 +1688,7 @@
           <a:p>
             <a:fld id="{B12B58C5-0F7F-4864-91DB-0DCB63F031BB}" type="datetimeFigureOut">
               <a:rPr lang="en-US" smtClean="0"/>
-              <a:t>12/17/2019</a:t>
+              <a:t>4/21/2020</a:t>
             </a:fld>
             <a:endParaRPr lang="en-US" dirty="0"/>
           </a:p>
@@ -2052,7 +2052,7 @@
           <a:p>
             <a:fld id="{B12B58C5-0F7F-4864-91DB-0DCB63F031BB}" type="datetimeFigureOut">
               <a:rPr lang="en-US" smtClean="0"/>
-              <a:t>12/17/2019</a:t>
+              <a:t>4/21/2020</a:t>
             </a:fld>
             <a:endParaRPr lang="en-US" dirty="0"/>
           </a:p>
@@ -2169,7 +2169,7 @@
           <a:p>
             <a:fld id="{B12B58C5-0F7F-4864-91DB-0DCB63F031BB}" type="datetimeFigureOut">
               <a:rPr lang="en-US" smtClean="0"/>
-              <a:t>12/17/2019</a:t>
+              <a:t>4/21/2020</a:t>
             </a:fld>
             <a:endParaRPr lang="en-US" dirty="0"/>
           </a:p>
@@ -2264,7 +2264,7 @@
           <a:p>
             <a:fld id="{B12B58C5-0F7F-4864-91DB-0DCB63F031BB}" type="datetimeFigureOut">
               <a:rPr lang="en-US" smtClean="0"/>
-              <a:t>12/17/2019</a:t>
+              <a:t>4/21/2020</a:t>
             </a:fld>
             <a:endParaRPr lang="en-US" dirty="0"/>
           </a:p>
@@ -2539,7 +2539,7 @@
           <a:p>
             <a:fld id="{B12B58C5-0F7F-4864-91DB-0DCB63F031BB}" type="datetimeFigureOut">
               <a:rPr lang="en-US" smtClean="0"/>
-              <a:t>12/17/2019</a:t>
+              <a:t>4/21/2020</a:t>
             </a:fld>
             <a:endParaRPr lang="en-US" dirty="0"/>
           </a:p>
@@ -2794,7 +2794,7 @@
           <a:p>
             <a:fld id="{B12B58C5-0F7F-4864-91DB-0DCB63F031BB}" type="datetimeFigureOut">
               <a:rPr lang="en-US" smtClean="0"/>
-              <a:t>12/17/2019</a:t>
+              <a:t>4/21/2020</a:t>
             </a:fld>
             <a:endParaRPr lang="en-US" dirty="0"/>
           </a:p>
@@ -3005,7 +3005,7 @@
           <a:p>
             <a:fld id="{B12B58C5-0F7F-4864-91DB-0DCB63F031BB}" type="datetimeFigureOut">
               <a:rPr lang="en-US" smtClean="0"/>
-              <a:t>12/17/2019</a:t>
+              <a:t>4/21/2020</a:t>
             </a:fld>
             <a:endParaRPr lang="en-US" dirty="0"/>
           </a:p>
@@ -3425,7 +3425,7 @@
         <p:spPr>
           <a:xfrm>
             <a:off x="577289" y="10816606"/>
-            <a:ext cx="5782569" cy="1052357"/>
+            <a:ext cx="5782569" cy="1123683"/>
           </a:xfrm>
           <a:prstGeom prst="rect">
             <a:avLst/>
@@ -4178,11 +4178,18 @@
               <a:buChar char="•"/>
             </a:pPr>
             <a:r>
+              <a:rPr lang="en-US" sz="1200">
+                <a:latin typeface="Segoe UI" panose="020B0502040204020203" pitchFamily="34" charset="0"/>
+                <a:cs typeface="Segoe UI" panose="020B0502040204020203" pitchFamily="34" charset="0"/>
+              </a:rPr>
+              <a:t>Install Microsoft 365 Apps for enterprise </a:t>
+            </a:r>
+            <a:r>
               <a:rPr lang="en-US" sz="1200" dirty="0">
                 <a:latin typeface="Segoe UI" panose="020B0502040204020203" pitchFamily="34" charset="0"/>
                 <a:cs typeface="Segoe UI" panose="020B0502040204020203" pitchFamily="34" charset="0"/>
               </a:rPr>
-              <a:t>Install Office 365 ProPlus on Windows, iOS, and Android devices</a:t>
+              <a:t>on Windows, iOS, and Android devices</a:t>
             </a:r>
           </a:p>
           <a:p>
@@ -16335,60 +16342,6 @@
           </a:p>
         </p:txBody>
       </p:sp>
-      <p:sp>
-        <p:nvSpPr>
-          <p:cNvPr id="20" name="Rectangle 19">
-            <a:extLst>
-              <a:ext uri="{FF2B5EF4-FFF2-40B4-BE49-F238E27FC236}">
-                <a16:creationId xmlns:a16="http://schemas.microsoft.com/office/drawing/2014/main" id="{5FAC365D-876D-4BAC-8C1F-7CEFC117BE86}"/>
-              </a:ext>
-            </a:extLst>
-          </p:cNvPr>
-          <p:cNvSpPr/>
-          <p:nvPr/>
-        </p:nvSpPr>
-        <p:spPr>
-          <a:xfrm>
-            <a:off x="-3369114" y="19646398"/>
-            <a:ext cx="3310368" cy="984446"/>
-          </a:xfrm>
-          <a:prstGeom prst="rect">
-            <a:avLst/>
-          </a:prstGeom>
-          <a:solidFill>
-            <a:srgbClr val="C2C2C2"/>
-          </a:solidFill>
-          <a:ln w="28575">
-            <a:solidFill>
-              <a:schemeClr val="bg1"/>
-            </a:solidFill>
-          </a:ln>
-        </p:spPr>
-        <p:style>
-          <a:lnRef idx="2">
-            <a:schemeClr val="accent1">
-              <a:shade val="50000"/>
-            </a:schemeClr>
-          </a:lnRef>
-          <a:fillRef idx="1">
-            <a:schemeClr val="accent1"/>
-          </a:fillRef>
-          <a:effectRef idx="0">
-            <a:schemeClr val="accent1"/>
-          </a:effectRef>
-          <a:fontRef idx="minor">
-            <a:schemeClr val="lt1"/>
-          </a:fontRef>
-        </p:style>
-        <p:txBody>
-          <a:bodyPr rtlCol="0" anchor="ctr"/>
-          <a:lstStyle/>
-          <a:p>
-            <a:pPr algn="ctr"/>
-            <a:endParaRPr lang="en-US" dirty="0"/>
-          </a:p>
-        </p:txBody>
-      </p:sp>
       <p:grpSp>
         <p:nvGrpSpPr>
           <p:cNvPr id="27" name="Group 26">
@@ -17004,782 +16957,6 @@
           </p:spPr>
         </p:pic>
       </p:grpSp>
-      <p:grpSp>
-        <p:nvGrpSpPr>
-          <p:cNvPr id="22" name="Group 21">
-            <a:extLst>
-              <a:ext uri="{FF2B5EF4-FFF2-40B4-BE49-F238E27FC236}">
-                <a16:creationId xmlns:a16="http://schemas.microsoft.com/office/drawing/2014/main" id="{71B3F11D-4373-4A04-ADC2-296F0F25AD8E}"/>
-              </a:ext>
-            </a:extLst>
-          </p:cNvPr>
-          <p:cNvGrpSpPr/>
-          <p:nvPr/>
-        </p:nvGrpSpPr>
-        <p:grpSpPr>
-          <a:xfrm>
-            <a:off x="-3216134" y="19813902"/>
-            <a:ext cx="811331" cy="649453"/>
-            <a:chOff x="536258" y="10750742"/>
-            <a:chExt cx="811331" cy="649453"/>
-          </a:xfrm>
-        </p:grpSpPr>
-        <p:pic>
-          <p:nvPicPr>
-            <p:cNvPr id="425" name="Picture 4" descr="Image result for windows 10 logo transparent">
-              <a:extLst>
-                <a:ext uri="{FF2B5EF4-FFF2-40B4-BE49-F238E27FC236}">
-                  <a16:creationId xmlns:a16="http://schemas.microsoft.com/office/drawing/2014/main" id="{FC70B7E5-59E1-4AC4-A6F2-2282687E2728}"/>
-                </a:ext>
-              </a:extLst>
-            </p:cNvPr>
-            <p:cNvPicPr>
-              <a:picLocks noChangeAspect="1" noChangeArrowheads="1"/>
-            </p:cNvPicPr>
-            <p:nvPr/>
-          </p:nvPicPr>
-          <p:blipFill>
-            <a:blip r:embed="rId9">
-              <a:extLst>
-                <a:ext uri="{28A0092B-C50C-407E-A947-70E740481C1C}">
-                  <a14:useLocalDpi xmlns:a14="http://schemas.microsoft.com/office/drawing/2010/main" val="0"/>
-                </a:ext>
-              </a:extLst>
-            </a:blip>
-            <a:srcRect/>
-            <a:stretch>
-              <a:fillRect/>
-            </a:stretch>
-          </p:blipFill>
-          <p:spPr bwMode="auto">
-            <a:xfrm>
-              <a:off x="755101" y="10941574"/>
-              <a:ext cx="248199" cy="248199"/>
-            </a:xfrm>
-            <a:prstGeom prst="rect">
-              <a:avLst/>
-            </a:prstGeom>
-            <a:noFill/>
-            <a:extLst>
-              <a:ext uri="{909E8E84-426E-40DD-AFC4-6F175D3DCCD1}">
-                <a14:hiddenFill xmlns:a14="http://schemas.microsoft.com/office/drawing/2010/main">
-                  <a:solidFill>
-                    <a:srgbClr val="FFFFFF"/>
-                  </a:solidFill>
-                </a14:hiddenFill>
-              </a:ext>
-            </a:extLst>
-          </p:spPr>
-        </p:pic>
-        <p:grpSp>
-          <p:nvGrpSpPr>
-            <p:cNvPr id="426" name="Group 425">
-              <a:extLst>
-                <a:ext uri="{FF2B5EF4-FFF2-40B4-BE49-F238E27FC236}">
-                  <a16:creationId xmlns:a16="http://schemas.microsoft.com/office/drawing/2014/main" id="{C5C6708D-A2E9-4827-8ED0-843480D11BF7}"/>
-                </a:ext>
-              </a:extLst>
-            </p:cNvPr>
-            <p:cNvGrpSpPr/>
-            <p:nvPr/>
-          </p:nvGrpSpPr>
-          <p:grpSpPr>
-            <a:xfrm>
-              <a:off x="536258" y="10888594"/>
-              <a:ext cx="685884" cy="511601"/>
-              <a:chOff x="1161256" y="2034115"/>
-              <a:chExt cx="193675" cy="144462"/>
-            </a:xfrm>
-            <a:solidFill>
-              <a:schemeClr val="bg1">
-                <a:lumMod val="50000"/>
-              </a:schemeClr>
-            </a:solidFill>
-          </p:grpSpPr>
-          <p:sp>
-            <p:nvSpPr>
-              <p:cNvPr id="428" name="Freeform 38">
-                <a:extLst>
-                  <a:ext uri="{FF2B5EF4-FFF2-40B4-BE49-F238E27FC236}">
-                    <a16:creationId xmlns:a16="http://schemas.microsoft.com/office/drawing/2014/main" id="{D76ACDE6-17DD-4E1E-BD40-5693777F75DA}"/>
-                  </a:ext>
-                </a:extLst>
-              </p:cNvPr>
-              <p:cNvSpPr>
-                <a:spLocks noEditPoints="1"/>
-              </p:cNvSpPr>
-              <p:nvPr/>
-            </p:nvSpPr>
-            <p:spPr bwMode="auto">
-              <a:xfrm>
-                <a:off x="1193006" y="2034115"/>
-                <a:ext cx="130175" cy="100013"/>
-              </a:xfrm>
-              <a:custGeom>
-                <a:avLst/>
-                <a:gdLst>
-                  <a:gd name="T0" fmla="*/ 82 w 82"/>
-                  <a:gd name="T1" fmla="*/ 0 h 63"/>
-                  <a:gd name="T2" fmla="*/ 0 w 82"/>
-                  <a:gd name="T3" fmla="*/ 0 h 63"/>
-                  <a:gd name="T4" fmla="*/ 0 w 82"/>
-                  <a:gd name="T5" fmla="*/ 63 h 63"/>
-                  <a:gd name="T6" fmla="*/ 82 w 82"/>
-                  <a:gd name="T7" fmla="*/ 62 h 63"/>
-                  <a:gd name="T8" fmla="*/ 82 w 82"/>
-                  <a:gd name="T9" fmla="*/ 0 h 63"/>
-                  <a:gd name="T10" fmla="*/ 76 w 82"/>
-                  <a:gd name="T11" fmla="*/ 54 h 63"/>
-                  <a:gd name="T12" fmla="*/ 7 w 82"/>
-                  <a:gd name="T13" fmla="*/ 54 h 63"/>
-                  <a:gd name="T14" fmla="*/ 7 w 82"/>
-                  <a:gd name="T15" fmla="*/ 8 h 63"/>
-                  <a:gd name="T16" fmla="*/ 76 w 82"/>
-                  <a:gd name="T17" fmla="*/ 8 h 63"/>
-                  <a:gd name="T18" fmla="*/ 76 w 82"/>
-                  <a:gd name="T19" fmla="*/ 54 h 63"/>
-                </a:gdLst>
-                <a:ahLst/>
-                <a:cxnLst>
-                  <a:cxn ang="0">
-                    <a:pos x="T0" y="T1"/>
-                  </a:cxn>
-                  <a:cxn ang="0">
-                    <a:pos x="T2" y="T3"/>
-                  </a:cxn>
-                  <a:cxn ang="0">
-                    <a:pos x="T4" y="T5"/>
-                  </a:cxn>
-                  <a:cxn ang="0">
-                    <a:pos x="T6" y="T7"/>
-                  </a:cxn>
-                  <a:cxn ang="0">
-                    <a:pos x="T8" y="T9"/>
-                  </a:cxn>
-                  <a:cxn ang="0">
-                    <a:pos x="T10" y="T11"/>
-                  </a:cxn>
-                  <a:cxn ang="0">
-                    <a:pos x="T12" y="T13"/>
-                  </a:cxn>
-                  <a:cxn ang="0">
-                    <a:pos x="T14" y="T15"/>
-                  </a:cxn>
-                  <a:cxn ang="0">
-                    <a:pos x="T16" y="T17"/>
-                  </a:cxn>
-                  <a:cxn ang="0">
-                    <a:pos x="T18" y="T19"/>
-                  </a:cxn>
-                </a:cxnLst>
-                <a:rect l="0" t="0" r="r" b="b"/>
-                <a:pathLst>
-                  <a:path w="82" h="63">
-                    <a:moveTo>
-                      <a:pt x="82" y="0"/>
-                    </a:moveTo>
-                    <a:lnTo>
-                      <a:pt x="0" y="0"/>
-                    </a:lnTo>
-                    <a:lnTo>
-                      <a:pt x="0" y="63"/>
-                    </a:lnTo>
-                    <a:lnTo>
-                      <a:pt x="82" y="62"/>
-                    </a:lnTo>
-                    <a:lnTo>
-                      <a:pt x="82" y="0"/>
-                    </a:lnTo>
-                    <a:close/>
-                    <a:moveTo>
-                      <a:pt x="76" y="54"/>
-                    </a:moveTo>
-                    <a:lnTo>
-                      <a:pt x="7" y="54"/>
-                    </a:lnTo>
-                    <a:lnTo>
-                      <a:pt x="7" y="8"/>
-                    </a:lnTo>
-                    <a:lnTo>
-                      <a:pt x="76" y="8"/>
-                    </a:lnTo>
-                    <a:lnTo>
-                      <a:pt x="76" y="54"/>
-                    </a:lnTo>
-                    <a:close/>
-                  </a:path>
-                </a:pathLst>
-              </a:custGeom>
-              <a:grpFill/>
-              <a:ln>
-                <a:noFill/>
-              </a:ln>
-              <a:extLst>
-                <a:ext uri="{91240B29-F687-4F45-9708-019B960494DF}">
-                  <a14:hiddenLine xmlns:a14="http://schemas.microsoft.com/office/drawing/2010/main" w="9525">
-                    <a:solidFill>
-                      <a:srgbClr val="000000"/>
-                    </a:solidFill>
-                    <a:round/>
-                    <a:headEnd/>
-                    <a:tailEnd/>
-                  </a14:hiddenLine>
-                </a:ext>
-              </a:extLst>
-            </p:spPr>
-            <p:txBody>
-              <a:bodyPr vert="horz" wrap="square" lIns="122047" tIns="61024" rIns="122047" bIns="61024" numCol="1" anchor="t" anchorCtr="0" compatLnSpc="1">
-                <a:prstTxWarp prst="textNoShape">
-                  <a:avLst/>
-                </a:prstTxWarp>
-              </a:bodyPr>
-              <a:lstStyle/>
-              <a:p>
-                <a:endParaRPr lang="en-US" sz="3206" dirty="0"/>
-              </a:p>
-            </p:txBody>
-          </p:sp>
-          <p:sp>
-            <p:nvSpPr>
-              <p:cNvPr id="429" name="Freeform 39">
-                <a:extLst>
-                  <a:ext uri="{FF2B5EF4-FFF2-40B4-BE49-F238E27FC236}">
-                    <a16:creationId xmlns:a16="http://schemas.microsoft.com/office/drawing/2014/main" id="{936A009B-3A8C-4813-A665-EFA4467DA675}"/>
-                  </a:ext>
-                </a:extLst>
-              </p:cNvPr>
-              <p:cNvSpPr>
-                <a:spLocks/>
-              </p:cNvSpPr>
-              <p:nvPr/>
-            </p:nvSpPr>
-            <p:spPr bwMode="auto">
-              <a:xfrm>
-                <a:off x="1161256" y="2143652"/>
-                <a:ext cx="193675" cy="34925"/>
-              </a:xfrm>
-              <a:custGeom>
-                <a:avLst/>
-                <a:gdLst>
-                  <a:gd name="T0" fmla="*/ 128 w 128"/>
-                  <a:gd name="T1" fmla="*/ 19 h 22"/>
-                  <a:gd name="T2" fmla="*/ 127 w 128"/>
-                  <a:gd name="T3" fmla="*/ 16 h 22"/>
-                  <a:gd name="T4" fmla="*/ 107 w 128"/>
-                  <a:gd name="T5" fmla="*/ 0 h 22"/>
-                  <a:gd name="T6" fmla="*/ 21 w 128"/>
-                  <a:gd name="T7" fmla="*/ 0 h 22"/>
-                  <a:gd name="T8" fmla="*/ 1 w 128"/>
-                  <a:gd name="T9" fmla="*/ 16 h 22"/>
-                  <a:gd name="T10" fmla="*/ 0 w 128"/>
-                  <a:gd name="T11" fmla="*/ 19 h 22"/>
-                  <a:gd name="T12" fmla="*/ 0 w 128"/>
-                  <a:gd name="T13" fmla="*/ 22 h 22"/>
-                  <a:gd name="T14" fmla="*/ 128 w 128"/>
-                  <a:gd name="T15" fmla="*/ 22 h 22"/>
-                  <a:gd name="T16" fmla="*/ 128 w 128"/>
-                  <a:gd name="T17" fmla="*/ 19 h 22"/>
-                </a:gdLst>
-                <a:ahLst/>
-                <a:cxnLst>
-                  <a:cxn ang="0">
-                    <a:pos x="T0" y="T1"/>
-                  </a:cxn>
-                  <a:cxn ang="0">
-                    <a:pos x="T2" y="T3"/>
-                  </a:cxn>
-                  <a:cxn ang="0">
-                    <a:pos x="T4" y="T5"/>
-                  </a:cxn>
-                  <a:cxn ang="0">
-                    <a:pos x="T6" y="T7"/>
-                  </a:cxn>
-                  <a:cxn ang="0">
-                    <a:pos x="T8" y="T9"/>
-                  </a:cxn>
-                  <a:cxn ang="0">
-                    <a:pos x="T10" y="T11"/>
-                  </a:cxn>
-                  <a:cxn ang="0">
-                    <a:pos x="T12" y="T13"/>
-                  </a:cxn>
-                  <a:cxn ang="0">
-                    <a:pos x="T14" y="T15"/>
-                  </a:cxn>
-                  <a:cxn ang="0">
-                    <a:pos x="T16" y="T17"/>
-                  </a:cxn>
-                </a:cxnLst>
-                <a:rect l="0" t="0" r="r" b="b"/>
-                <a:pathLst>
-                  <a:path w="128" h="22">
-                    <a:moveTo>
-                      <a:pt x="128" y="19"/>
-                    </a:moveTo>
-                    <a:cubicBezTo>
-                      <a:pt x="127" y="17"/>
-                      <a:pt x="127" y="16"/>
-                      <a:pt x="127" y="16"/>
-                    </a:cubicBezTo>
-                    <a:cubicBezTo>
-                      <a:pt x="107" y="0"/>
-                      <a:pt x="107" y="0"/>
-                      <a:pt x="107" y="0"/>
-                    </a:cubicBezTo>
-                    <a:cubicBezTo>
-                      <a:pt x="21" y="0"/>
-                      <a:pt x="21" y="0"/>
-                      <a:pt x="21" y="0"/>
-                    </a:cubicBezTo>
-                    <a:cubicBezTo>
-                      <a:pt x="1" y="16"/>
-                      <a:pt x="1" y="16"/>
-                      <a:pt x="1" y="16"/>
-                    </a:cubicBezTo>
-                    <a:cubicBezTo>
-                      <a:pt x="1" y="16"/>
-                      <a:pt x="0" y="17"/>
-                      <a:pt x="0" y="19"/>
-                    </a:cubicBezTo>
-                    <a:cubicBezTo>
-                      <a:pt x="0" y="20"/>
-                      <a:pt x="0" y="21"/>
-                      <a:pt x="0" y="22"/>
-                    </a:cubicBezTo>
-                    <a:cubicBezTo>
-                      <a:pt x="128" y="22"/>
-                      <a:pt x="128" y="22"/>
-                      <a:pt x="128" y="22"/>
-                    </a:cubicBezTo>
-                    <a:cubicBezTo>
-                      <a:pt x="128" y="21"/>
-                      <a:pt x="128" y="20"/>
-                      <a:pt x="128" y="19"/>
-                    </a:cubicBezTo>
-                    <a:close/>
-                  </a:path>
-                </a:pathLst>
-              </a:custGeom>
-              <a:grpFill/>
-              <a:ln>
-                <a:noFill/>
-              </a:ln>
-              <a:extLst>
-                <a:ext uri="{91240B29-F687-4F45-9708-019B960494DF}">
-                  <a14:hiddenLine xmlns:a14="http://schemas.microsoft.com/office/drawing/2010/main" w="9525">
-                    <a:solidFill>
-                      <a:srgbClr val="000000"/>
-                    </a:solidFill>
-                    <a:round/>
-                    <a:headEnd/>
-                    <a:tailEnd/>
-                  </a14:hiddenLine>
-                </a:ext>
-              </a:extLst>
-            </p:spPr>
-            <p:txBody>
-              <a:bodyPr vert="horz" wrap="square" lIns="122047" tIns="61024" rIns="122047" bIns="61024" numCol="1" anchor="t" anchorCtr="0" compatLnSpc="1">
-                <a:prstTxWarp prst="textNoShape">
-                  <a:avLst/>
-                </a:prstTxWarp>
-              </a:bodyPr>
-              <a:lstStyle/>
-              <a:p>
-                <a:endParaRPr lang="en-US" sz="3206" dirty="0"/>
-              </a:p>
-            </p:txBody>
-          </p:sp>
-        </p:grpSp>
-        <p:sp>
-          <p:nvSpPr>
-            <p:cNvPr id="427" name="Freeform 44">
-              <a:extLst>
-                <a:ext uri="{FF2B5EF4-FFF2-40B4-BE49-F238E27FC236}">
-                  <a16:creationId xmlns:a16="http://schemas.microsoft.com/office/drawing/2014/main" id="{60361EC8-A603-4EC1-A520-12417970B901}"/>
-                </a:ext>
-              </a:extLst>
-            </p:cNvPr>
-            <p:cNvSpPr>
-              <a:spLocks/>
-            </p:cNvSpPr>
-            <p:nvPr/>
-          </p:nvSpPr>
-          <p:spPr bwMode="auto">
-            <a:xfrm>
-              <a:off x="1040930" y="10750742"/>
-              <a:ext cx="306659" cy="369076"/>
-            </a:xfrm>
-            <a:custGeom>
-              <a:avLst/>
-              <a:gdLst>
-                <a:gd name="T0" fmla="*/ 113 w 113"/>
-                <a:gd name="T1" fmla="*/ 125 h 136"/>
-                <a:gd name="T2" fmla="*/ 113 w 113"/>
-                <a:gd name="T3" fmla="*/ 10 h 136"/>
-                <a:gd name="T4" fmla="*/ 73 w 113"/>
-                <a:gd name="T5" fmla="*/ 0 h 136"/>
-                <a:gd name="T6" fmla="*/ 0 w 113"/>
-                <a:gd name="T7" fmla="*/ 26 h 136"/>
-                <a:gd name="T8" fmla="*/ 0 w 113"/>
-                <a:gd name="T9" fmla="*/ 26 h 136"/>
-                <a:gd name="T10" fmla="*/ 0 w 113"/>
-                <a:gd name="T11" fmla="*/ 109 h 136"/>
-                <a:gd name="T12" fmla="*/ 25 w 113"/>
-                <a:gd name="T13" fmla="*/ 99 h 136"/>
-                <a:gd name="T14" fmla="*/ 25 w 113"/>
-                <a:gd name="T15" fmla="*/ 32 h 136"/>
-                <a:gd name="T16" fmla="*/ 75 w 113"/>
-                <a:gd name="T17" fmla="*/ 20 h 136"/>
-                <a:gd name="T18" fmla="*/ 75 w 113"/>
-                <a:gd name="T19" fmla="*/ 120 h 136"/>
-                <a:gd name="T20" fmla="*/ 0 w 113"/>
-                <a:gd name="T21" fmla="*/ 109 h 136"/>
-                <a:gd name="T22" fmla="*/ 73 w 113"/>
-                <a:gd name="T23" fmla="*/ 136 h 136"/>
-                <a:gd name="T24" fmla="*/ 113 w 113"/>
-                <a:gd name="T25" fmla="*/ 125 h 136"/>
-              </a:gdLst>
-              <a:ahLst/>
-              <a:cxnLst>
-                <a:cxn ang="0">
-                  <a:pos x="T0" y="T1"/>
-                </a:cxn>
-                <a:cxn ang="0">
-                  <a:pos x="T2" y="T3"/>
-                </a:cxn>
-                <a:cxn ang="0">
-                  <a:pos x="T4" y="T5"/>
-                </a:cxn>
-                <a:cxn ang="0">
-                  <a:pos x="T6" y="T7"/>
-                </a:cxn>
-                <a:cxn ang="0">
-                  <a:pos x="T8" y="T9"/>
-                </a:cxn>
-                <a:cxn ang="0">
-                  <a:pos x="T10" y="T11"/>
-                </a:cxn>
-                <a:cxn ang="0">
-                  <a:pos x="T12" y="T13"/>
-                </a:cxn>
-                <a:cxn ang="0">
-                  <a:pos x="T14" y="T15"/>
-                </a:cxn>
-                <a:cxn ang="0">
-                  <a:pos x="T16" y="T17"/>
-                </a:cxn>
-                <a:cxn ang="0">
-                  <a:pos x="T18" y="T19"/>
-                </a:cxn>
-                <a:cxn ang="0">
-                  <a:pos x="T20" y="T21"/>
-                </a:cxn>
-                <a:cxn ang="0">
-                  <a:pos x="T22" y="T23"/>
-                </a:cxn>
-                <a:cxn ang="0">
-                  <a:pos x="T24" y="T25"/>
-                </a:cxn>
-              </a:cxnLst>
-              <a:rect l="0" t="0" r="r" b="b"/>
-              <a:pathLst>
-                <a:path w="113" h="136">
-                  <a:moveTo>
-                    <a:pt x="113" y="125"/>
-                  </a:moveTo>
-                  <a:lnTo>
-                    <a:pt x="113" y="10"/>
-                  </a:lnTo>
-                  <a:lnTo>
-                    <a:pt x="73" y="0"/>
-                  </a:lnTo>
-                  <a:lnTo>
-                    <a:pt x="0" y="26"/>
-                  </a:lnTo>
-                  <a:lnTo>
-                    <a:pt x="0" y="26"/>
-                  </a:lnTo>
-                  <a:lnTo>
-                    <a:pt x="0" y="109"/>
-                  </a:lnTo>
-                  <a:lnTo>
-                    <a:pt x="25" y="99"/>
-                  </a:lnTo>
-                  <a:lnTo>
-                    <a:pt x="25" y="32"/>
-                  </a:lnTo>
-                  <a:lnTo>
-                    <a:pt x="75" y="20"/>
-                  </a:lnTo>
-                  <a:lnTo>
-                    <a:pt x="75" y="120"/>
-                  </a:lnTo>
-                  <a:lnTo>
-                    <a:pt x="0" y="109"/>
-                  </a:lnTo>
-                  <a:lnTo>
-                    <a:pt x="73" y="136"/>
-                  </a:lnTo>
-                  <a:lnTo>
-                    <a:pt x="113" y="125"/>
-                  </a:lnTo>
-                  <a:close/>
-                </a:path>
-              </a:pathLst>
-            </a:custGeom>
-            <a:solidFill>
-              <a:srgbClr val="DA4026"/>
-            </a:solidFill>
-            <a:ln>
-              <a:noFill/>
-            </a:ln>
-            <a:extLst>
-              <a:ext uri="{91240B29-F687-4F45-9708-019B960494DF}">
-                <a14:hiddenLine xmlns:a14="http://schemas.microsoft.com/office/drawing/2010/main" w="9525">
-                  <a:solidFill>
-                    <a:srgbClr val="000000"/>
-                  </a:solidFill>
-                  <a:round/>
-                  <a:headEnd/>
-                  <a:tailEnd/>
-                </a14:hiddenLine>
-              </a:ext>
-            </a:extLst>
-          </p:spPr>
-          <p:txBody>
-            <a:bodyPr vert="horz" wrap="square" lIns="122047" tIns="61024" rIns="122047" bIns="61024" numCol="1" anchor="t" anchorCtr="0" compatLnSpc="1">
-              <a:prstTxWarp prst="textNoShape">
-                <a:avLst/>
-              </a:prstTxWarp>
-            </a:bodyPr>
-            <a:lstStyle/>
-            <a:p>
-              <a:endParaRPr lang="en-US" sz="3206" dirty="0"/>
-            </a:p>
-          </p:txBody>
-        </p:sp>
-      </p:grpSp>
-      <p:sp>
-        <p:nvSpPr>
-          <p:cNvPr id="24" name="TextBox 14">
-            <a:extLst>
-              <a:ext uri="{FF2B5EF4-FFF2-40B4-BE49-F238E27FC236}">
-                <a16:creationId xmlns:a16="http://schemas.microsoft.com/office/drawing/2014/main" id="{DD229B68-D7A4-4D87-840F-766FCC608CEB}"/>
-              </a:ext>
-            </a:extLst>
-          </p:cNvPr>
-          <p:cNvSpPr txBox="1"/>
-          <p:nvPr/>
-        </p:nvSpPr>
-        <p:spPr>
-          <a:xfrm>
-            <a:off x="-3185487" y="19382642"/>
-            <a:ext cx="2943114" cy="249299"/>
-          </a:xfrm>
-          <a:prstGeom prst="rect">
-            <a:avLst/>
-          </a:prstGeom>
-          <a:noFill/>
-        </p:spPr>
-        <p:txBody>
-          <a:bodyPr wrap="none" lIns="0" tIns="0" rIns="0" bIns="0" rtlCol="0">
-            <a:spAutoFit/>
-          </a:bodyPr>
-          <a:lstStyle>
-            <a:defPPr>
-              <a:defRPr lang="en-US"/>
-            </a:defPPr>
-            <a:lvl1pPr marL="0" algn="l" defTabSz="914400" rtl="0" eaLnBrk="1" latinLnBrk="0" hangingPunct="1">
-              <a:defRPr sz="1800" kern="1200">
-                <a:solidFill>
-                  <a:schemeClr val="tx1"/>
-                </a:solidFill>
-                <a:latin typeface="+mn-lt"/>
-                <a:ea typeface="+mn-ea"/>
-                <a:cs typeface="+mn-cs"/>
-              </a:defRPr>
-            </a:lvl1pPr>
-            <a:lvl2pPr marL="457200" algn="l" defTabSz="914400" rtl="0" eaLnBrk="1" latinLnBrk="0" hangingPunct="1">
-              <a:defRPr sz="1800" kern="1200">
-                <a:solidFill>
-                  <a:schemeClr val="tx1"/>
-                </a:solidFill>
-                <a:latin typeface="+mn-lt"/>
-                <a:ea typeface="+mn-ea"/>
-                <a:cs typeface="+mn-cs"/>
-              </a:defRPr>
-            </a:lvl2pPr>
-            <a:lvl3pPr marL="914400" algn="l" defTabSz="914400" rtl="0" eaLnBrk="1" latinLnBrk="0" hangingPunct="1">
-              <a:defRPr sz="1800" kern="1200">
-                <a:solidFill>
-                  <a:schemeClr val="tx1"/>
-                </a:solidFill>
-                <a:latin typeface="+mn-lt"/>
-                <a:ea typeface="+mn-ea"/>
-                <a:cs typeface="+mn-cs"/>
-              </a:defRPr>
-            </a:lvl3pPr>
-            <a:lvl4pPr marL="1371600" algn="l" defTabSz="914400" rtl="0" eaLnBrk="1" latinLnBrk="0" hangingPunct="1">
-              <a:defRPr sz="1800" kern="1200">
-                <a:solidFill>
-                  <a:schemeClr val="tx1"/>
-                </a:solidFill>
-                <a:latin typeface="+mn-lt"/>
-                <a:ea typeface="+mn-ea"/>
-                <a:cs typeface="+mn-cs"/>
-              </a:defRPr>
-            </a:lvl4pPr>
-            <a:lvl5pPr marL="1828800" algn="l" defTabSz="914400" rtl="0" eaLnBrk="1" latinLnBrk="0" hangingPunct="1">
-              <a:defRPr sz="1800" kern="1200">
-                <a:solidFill>
-                  <a:schemeClr val="tx1"/>
-                </a:solidFill>
-                <a:latin typeface="+mn-lt"/>
-                <a:ea typeface="+mn-ea"/>
-                <a:cs typeface="+mn-cs"/>
-              </a:defRPr>
-            </a:lvl5pPr>
-            <a:lvl6pPr marL="2286000" algn="l" defTabSz="914400" rtl="0" eaLnBrk="1" latinLnBrk="0" hangingPunct="1">
-              <a:defRPr sz="1800" kern="1200">
-                <a:solidFill>
-                  <a:schemeClr val="tx1"/>
-                </a:solidFill>
-                <a:latin typeface="+mn-lt"/>
-                <a:ea typeface="+mn-ea"/>
-                <a:cs typeface="+mn-cs"/>
-              </a:defRPr>
-            </a:lvl6pPr>
-            <a:lvl7pPr marL="2743200" algn="l" defTabSz="914400" rtl="0" eaLnBrk="1" latinLnBrk="0" hangingPunct="1">
-              <a:defRPr sz="1800" kern="1200">
-                <a:solidFill>
-                  <a:schemeClr val="tx1"/>
-                </a:solidFill>
-                <a:latin typeface="+mn-lt"/>
-                <a:ea typeface="+mn-ea"/>
-                <a:cs typeface="+mn-cs"/>
-              </a:defRPr>
-            </a:lvl7pPr>
-            <a:lvl8pPr marL="3200400" algn="l" defTabSz="914400" rtl="0" eaLnBrk="1" latinLnBrk="0" hangingPunct="1">
-              <a:defRPr sz="1800" kern="1200">
-                <a:solidFill>
-                  <a:schemeClr val="tx1"/>
-                </a:solidFill>
-                <a:latin typeface="+mn-lt"/>
-                <a:ea typeface="+mn-ea"/>
-                <a:cs typeface="+mn-cs"/>
-              </a:defRPr>
-            </a:lvl8pPr>
-            <a:lvl9pPr marL="3657600" algn="l" defTabSz="914400" rtl="0" eaLnBrk="1" latinLnBrk="0" hangingPunct="1">
-              <a:defRPr sz="1800" kern="1200">
-                <a:solidFill>
-                  <a:schemeClr val="tx1"/>
-                </a:solidFill>
-                <a:latin typeface="+mn-lt"/>
-                <a:ea typeface="+mn-ea"/>
-                <a:cs typeface="+mn-cs"/>
-              </a:defRPr>
-            </a:lvl9pPr>
-          </a:lstStyle>
-          <a:p>
-            <a:pPr algn="ctr" defTabSz="914367">
-              <a:lnSpc>
-                <a:spcPct val="90000"/>
-              </a:lnSpc>
-              <a:spcBef>
-                <a:spcPct val="20000"/>
-              </a:spcBef>
-              <a:buSzPct val="80000"/>
-            </a:pPr>
-            <a:r>
-              <a:rPr lang="en-US" dirty="0">
-                <a:latin typeface="Segoe UI Light" pitchFamily="34" charset="0"/>
-              </a:rPr>
-              <a:t>Windows 10 Enterprise devices</a:t>
-            </a:r>
-          </a:p>
-        </p:txBody>
-      </p:sp>
-      <p:sp>
-        <p:nvSpPr>
-          <p:cNvPr id="26" name="TextBox 25">
-            <a:extLst>
-              <a:ext uri="{FF2B5EF4-FFF2-40B4-BE49-F238E27FC236}">
-                <a16:creationId xmlns:a16="http://schemas.microsoft.com/office/drawing/2014/main" id="{2B1F7FCA-E04F-4AD2-BBBA-D714A5ED64D3}"/>
-              </a:ext>
-            </a:extLst>
-          </p:cNvPr>
-          <p:cNvSpPr txBox="1"/>
-          <p:nvPr/>
-        </p:nvSpPr>
-        <p:spPr>
-          <a:xfrm>
-            <a:off x="-2351566" y="19753901"/>
-            <a:ext cx="2292820" cy="769441"/>
-          </a:xfrm>
-          <a:prstGeom prst="rect">
-            <a:avLst/>
-          </a:prstGeom>
-          <a:noFill/>
-        </p:spPr>
-        <p:txBody>
-          <a:bodyPr wrap="square" rtlCol="0">
-            <a:spAutoFit/>
-          </a:bodyPr>
-          <a:lstStyle/>
-          <a:p>
-            <a:pPr marL="171450" indent="-171450">
-              <a:buFont typeface="Arial" panose="020B0604020202020204" pitchFamily="34" charset="0"/>
-              <a:buChar char="•"/>
-            </a:pPr>
-            <a:r>
-              <a:rPr lang="en-US" sz="1100" dirty="0">
-                <a:latin typeface="Segoe UI" panose="020B0502040204020203" pitchFamily="34" charset="0"/>
-                <a:cs typeface="Segoe UI" panose="020B0502040204020203" pitchFamily="34" charset="0"/>
-              </a:rPr>
-              <a:t>Office 365 ProPlus installed</a:t>
-            </a:r>
-          </a:p>
-          <a:p>
-            <a:pPr marL="171450" indent="-171450">
-              <a:buFont typeface="Arial" panose="020B0604020202020204" pitchFamily="34" charset="0"/>
-              <a:buChar char="•"/>
-            </a:pPr>
-            <a:r>
-              <a:rPr lang="en-US" sz="1100" dirty="0">
-                <a:latin typeface="Segoe UI" panose="020B0502040204020203" pitchFamily="34" charset="0"/>
-                <a:cs typeface="Segoe UI" panose="020B0502040204020203" pitchFamily="34" charset="0"/>
-              </a:rPr>
-              <a:t>Joined to AD DS and Azure AD</a:t>
-            </a:r>
-          </a:p>
-          <a:p>
-            <a:pPr marL="171450" indent="-171450">
-              <a:buFont typeface="Arial" panose="020B0604020202020204" pitchFamily="34" charset="0"/>
-              <a:buChar char="•"/>
-            </a:pPr>
-            <a:r>
-              <a:rPr lang="en-US" sz="1100" dirty="0">
-                <a:latin typeface="Segoe UI" panose="020B0502040204020203" pitchFamily="34" charset="0"/>
-                <a:cs typeface="Segoe UI" panose="020B0502040204020203" pitchFamily="34" charset="0"/>
-              </a:rPr>
-              <a:t>Enrolled in Intune</a:t>
-            </a:r>
-          </a:p>
-          <a:p>
-            <a:pPr marL="171450" indent="-171450">
-              <a:buFont typeface="Arial" panose="020B0604020202020204" pitchFamily="34" charset="0"/>
-              <a:buChar char="•"/>
-            </a:pPr>
-            <a:r>
-              <a:rPr lang="en-US" sz="1100" dirty="0">
-                <a:latin typeface="Segoe UI" panose="020B0502040204020203" pitchFamily="34" charset="0"/>
-                <a:cs typeface="Segoe UI" panose="020B0502040204020203" pitchFamily="34" charset="0"/>
-              </a:rPr>
-              <a:t>Security features enabled</a:t>
-            </a:r>
-          </a:p>
-        </p:txBody>
-      </p:sp>
       <p:sp>
         <p:nvSpPr>
           <p:cNvPr id="432" name="TextBox 431">
@@ -17794,8 +16971,8 @@
         </p:nvSpPr>
         <p:spPr>
           <a:xfrm>
-            <a:off x="3911370" y="10888814"/>
-            <a:ext cx="2292820" cy="907941"/>
+            <a:off x="3881872" y="10843685"/>
+            <a:ext cx="2531818" cy="1069524"/>
           </a:xfrm>
           <a:prstGeom prst="rect">
             <a:avLst/>
@@ -17826,11 +17003,18 @@
               <a:buChar char="•"/>
             </a:pPr>
             <a:r>
+              <a:rPr lang="en-US" sz="1050">
+                <a:latin typeface="Segoe UI" panose="020B0502040204020203" pitchFamily="34" charset="0"/>
+                <a:cs typeface="Segoe UI" panose="020B0502040204020203" pitchFamily="34" charset="0"/>
+              </a:rPr>
+              <a:t>Microsoft 365 Apps for enterprise </a:t>
+            </a:r>
+            <a:r>
               <a:rPr lang="en-US" sz="1050" dirty="0">
                 <a:latin typeface="Segoe UI" panose="020B0502040204020203" pitchFamily="34" charset="0"/>
                 <a:cs typeface="Segoe UI" panose="020B0502040204020203" pitchFamily="34" charset="0"/>
               </a:rPr>
-              <a:t>Office 365 ProPlus installed</a:t>
+              <a:t>installed</a:t>
             </a:r>
           </a:p>
           <a:p>
